--- a/Sales Deck CH Consulting.pptx
+++ b/Sales Deck CH Consulting.pptx
@@ -19193,7 +19193,7 @@
         </p:blipFill>
         <p:spPr bwMode="auto">
           <a:xfrm>
-            <a:off x="3245920" y="3769426"/>
+            <a:off x="2964871" y="3527961"/>
             <a:ext cx="5541820" cy="2455223"/>
           </a:xfrm>
           <a:prstGeom prst="rect">

--- a/Sales Deck CH Consulting.pptx
+++ b/Sales Deck CH Consulting.pptx
@@ -254,8 +254,11 @@
     </a:lvl9pPr>
   </p:defaultTextStyle>
   <p:extLst>
+    <p:ext uri="{EFAFB233-063F-42B5-8137-9DF3F51BA10A}">
+      <p15:sldGuideLst xmlns:p15="http://schemas.microsoft.com/office/powerpoint/2012/main"/>
+    </p:ext>
     <p:ext uri="GoogleSlidesCustomDataVersion2">
-      <go:slidesCustomData xmlns:go="http://customooxmlschemas.google.com/" xmlns:ahyp="http://schemas.microsoft.com/office/drawing/2018/hyperlinkcolor" xmlns:p15="http://schemas.microsoft.com/office/powerpoint/2012/main" xmlns:p14="http://schemas.microsoft.com/office/powerpoint/2010/main" xmlns:com="http://schemas.openxmlformats.org/drawingml/2006/compatibility" xmlns:pvml="urn:schemas-microsoft-com:office:powerpoint" xmlns:v="urn:schemas-microsoft-com:vml" xmlns:o="urn:schemas-microsoft-com:office:office" xmlns:dgm="http://schemas.openxmlformats.org/drawingml/2006/diagram" xmlns:c="http://schemas.openxmlformats.org/drawingml/2006/chart" xmlns:mv="urn:schemas-microsoft-com:mac:vml" xmlns:mc="http://schemas.openxmlformats.org/markup-compatibility/2006" xmlns="" r:id="rId21" roundtripDataSignature="AMtx7mh5dkpQweyUHwU5IA5nEFsR3obaIw=="/>
+      <go:slidesCustomData xmlns="" xmlns:mc="http://schemas.openxmlformats.org/markup-compatibility/2006" xmlns:mv="urn:schemas-microsoft-com:mac:vml" xmlns:c="http://schemas.openxmlformats.org/drawingml/2006/chart" xmlns:dgm="http://schemas.openxmlformats.org/drawingml/2006/diagram" xmlns:o="urn:schemas-microsoft-com:office:office" xmlns:v="urn:schemas-microsoft-com:vml" xmlns:pvml="urn:schemas-microsoft-com:office:powerpoint" xmlns:com="http://schemas.openxmlformats.org/drawingml/2006/compatibility" xmlns:p14="http://schemas.microsoft.com/office/powerpoint/2010/main" xmlns:p15="http://schemas.microsoft.com/office/powerpoint/2012/main" xmlns:ahyp="http://schemas.microsoft.com/office/drawing/2018/hyperlinkcolor" xmlns:go="http://customooxmlschemas.google.com/" r:id="rId21" roundtripDataSignature="AMtx7mh5dkpQweyUHwU5IA5nEFsR3obaIw=="/>
     </p:ext>
   </p:extLst>
 </p:presentation>
@@ -16147,7 +16150,7 @@
         <p:fade/>
       </p:transition>
     </mc:Choice>
-    <mc:Fallback xmlns:ahyp="http://schemas.microsoft.com/office/drawing/2018/hyperlinkcolor" xmlns:p15="http://schemas.microsoft.com/office/powerpoint/2012/main" xmlns:com="http://schemas.openxmlformats.org/drawingml/2006/compatibility" xmlns:pvml="urn:schemas-microsoft-com:office:powerpoint" xmlns:v="urn:schemas-microsoft-com:vml" xmlns:o="urn:schemas-microsoft-com:office:office" xmlns:dgm="http://schemas.openxmlformats.org/drawingml/2006/diagram" xmlns:c="http://schemas.openxmlformats.org/drawingml/2006/chart" xmlns:mv="urn:schemas-microsoft-com:mac:vml" xmlns="">
+    <mc:Fallback xmlns="" xmlns:mv="urn:schemas-microsoft-com:mac:vml" xmlns:c="http://schemas.openxmlformats.org/drawingml/2006/chart" xmlns:dgm="http://schemas.openxmlformats.org/drawingml/2006/diagram" xmlns:o="urn:schemas-microsoft-com:office:office" xmlns:v="urn:schemas-microsoft-com:vml" xmlns:pvml="urn:schemas-microsoft-com:office:powerpoint" xmlns:com="http://schemas.openxmlformats.org/drawingml/2006/compatibility" xmlns:p15="http://schemas.microsoft.com/office/powerpoint/2012/main" xmlns:ahyp="http://schemas.microsoft.com/office/drawing/2018/hyperlinkcolor">
       <p:transition spd="slow">
         <p:fade/>
       </p:transition>
@@ -19042,7 +19045,7 @@
                 <a:cs typeface="Arial"/>
                 <a:sym typeface="Arial"/>
               </a:rPr>
-              <a:t>Some things to be mindful of are tariff increases and macroeconomic policies (declining rates, no rate changes etc.)</a:t>
+              <a:t>Some things to be mindful of are tariff increases and macroeconomic policies (declining rates, increasing rates, no rate changes etc.)</a:t>
             </a:r>
           </a:p>
           <a:p>
@@ -19066,7 +19069,7 @@
                 <a:cs typeface="Arial"/>
                 <a:sym typeface="Arial"/>
               </a:rPr>
-              <a:t>Negotiations with shipping companies to get good freight rates</a:t>
+              <a:t>Renegotiations/negotiations with shipping companies to get favorable freight rates</a:t>
             </a:r>
           </a:p>
           <a:p>
@@ -19090,7 +19093,7 @@
                 <a:cs typeface="Arial"/>
                 <a:sym typeface="Arial"/>
               </a:rPr>
-              <a:t>Work with suppliers on raw materials to get better deals, or research new suppliers entirely</a:t>
+              <a:t>Work with suppliers on raw materials to get favorable deals or research new suppliers entirely</a:t>
             </a:r>
             <a:endParaRPr sz="1400" b="1" dirty="0">
               <a:latin typeface="Arial"/>
